--- a/lecture-presentations/2019-01-23.pptx
+++ b/lecture-presentations/2019-01-23.pptx
@@ -216,7 +216,7 @@
           <a:p>
             <a:fld id="{A677DEB0-5AA4-49C7-B0AD-AD047A002C4C}" type="datetimeFigureOut">
               <a:rPr lang="en-US" smtClean="0"/>
-              <a:t>1/18/2019</a:t>
+              <a:t>1/23/2019</a:t>
             </a:fld>
             <a:endParaRPr lang="en-US"/>
           </a:p>
@@ -2035,7 +2035,7 @@
           <a:p>
             <a:fld id="{1B52E0E1-344B-4E26-B5AD-CE86AB802485}" type="datetimeFigureOut">
               <a:rPr lang="en-US" smtClean="0"/>
-              <a:t>1/18/2019</a:t>
+              <a:t>1/23/2019</a:t>
             </a:fld>
             <a:endParaRPr lang="en-US"/>
           </a:p>
@@ -2233,7 +2233,7 @@
           <a:p>
             <a:fld id="{1B52E0E1-344B-4E26-B5AD-CE86AB802485}" type="datetimeFigureOut">
               <a:rPr lang="en-US" smtClean="0"/>
-              <a:t>1/18/2019</a:t>
+              <a:t>1/23/2019</a:t>
             </a:fld>
             <a:endParaRPr lang="en-US"/>
           </a:p>
@@ -2441,7 +2441,7 @@
           <a:p>
             <a:fld id="{1B52E0E1-344B-4E26-B5AD-CE86AB802485}" type="datetimeFigureOut">
               <a:rPr lang="en-US" smtClean="0"/>
-              <a:t>1/18/2019</a:t>
+              <a:t>1/23/2019</a:t>
             </a:fld>
             <a:endParaRPr lang="en-US"/>
           </a:p>
@@ -2639,7 +2639,7 @@
           <a:p>
             <a:fld id="{1B52E0E1-344B-4E26-B5AD-CE86AB802485}" type="datetimeFigureOut">
               <a:rPr lang="en-US" smtClean="0"/>
-              <a:t>1/18/2019</a:t>
+              <a:t>1/23/2019</a:t>
             </a:fld>
             <a:endParaRPr lang="en-US"/>
           </a:p>
@@ -2914,7 +2914,7 @@
           <a:p>
             <a:fld id="{1B52E0E1-344B-4E26-B5AD-CE86AB802485}" type="datetimeFigureOut">
               <a:rPr lang="en-US" smtClean="0"/>
-              <a:t>1/18/2019</a:t>
+              <a:t>1/23/2019</a:t>
             </a:fld>
             <a:endParaRPr lang="en-US"/>
           </a:p>
@@ -3179,7 +3179,7 @@
           <a:p>
             <a:fld id="{1B52E0E1-344B-4E26-B5AD-CE86AB802485}" type="datetimeFigureOut">
               <a:rPr lang="en-US" smtClean="0"/>
-              <a:t>1/18/2019</a:t>
+              <a:t>1/23/2019</a:t>
             </a:fld>
             <a:endParaRPr lang="en-US"/>
           </a:p>
@@ -3591,7 +3591,7 @@
           <a:p>
             <a:fld id="{1B52E0E1-344B-4E26-B5AD-CE86AB802485}" type="datetimeFigureOut">
               <a:rPr lang="en-US" smtClean="0"/>
-              <a:t>1/18/2019</a:t>
+              <a:t>1/23/2019</a:t>
             </a:fld>
             <a:endParaRPr lang="en-US"/>
           </a:p>
@@ -3732,7 +3732,7 @@
           <a:p>
             <a:fld id="{1B52E0E1-344B-4E26-B5AD-CE86AB802485}" type="datetimeFigureOut">
               <a:rPr lang="en-US" smtClean="0"/>
-              <a:t>1/18/2019</a:t>
+              <a:t>1/23/2019</a:t>
             </a:fld>
             <a:endParaRPr lang="en-US"/>
           </a:p>
@@ -3845,7 +3845,7 @@
           <a:p>
             <a:fld id="{1B52E0E1-344B-4E26-B5AD-CE86AB802485}" type="datetimeFigureOut">
               <a:rPr lang="en-US" smtClean="0"/>
-              <a:t>1/18/2019</a:t>
+              <a:t>1/23/2019</a:t>
             </a:fld>
             <a:endParaRPr lang="en-US"/>
           </a:p>
@@ -4156,7 +4156,7 @@
           <a:p>
             <a:fld id="{1B52E0E1-344B-4E26-B5AD-CE86AB802485}" type="datetimeFigureOut">
               <a:rPr lang="en-US" smtClean="0"/>
-              <a:t>1/18/2019</a:t>
+              <a:t>1/23/2019</a:t>
             </a:fld>
             <a:endParaRPr lang="en-US"/>
           </a:p>
@@ -4444,7 +4444,7 @@
           <a:p>
             <a:fld id="{1B52E0E1-344B-4E26-B5AD-CE86AB802485}" type="datetimeFigureOut">
               <a:rPr lang="en-US" smtClean="0"/>
-              <a:t>1/18/2019</a:t>
+              <a:t>1/23/2019</a:t>
             </a:fld>
             <a:endParaRPr lang="en-US"/>
           </a:p>
@@ -4685,7 +4685,7 @@
           <a:p>
             <a:fld id="{1B52E0E1-344B-4E26-B5AD-CE86AB802485}" type="datetimeFigureOut">
               <a:rPr lang="en-US" smtClean="0"/>
-              <a:t>1/18/2019</a:t>
+              <a:t>1/23/2019</a:t>
             </a:fld>
             <a:endParaRPr lang="en-US"/>
           </a:p>
@@ -6806,6 +6806,13 @@
           <a:lstStyle/>
           <a:p>
             <a:pPr algn="l"/>
+            <a:r>
+              <a:rPr lang="en-US" sz="4800" dirty="0"/>
+              <a:t>- Verify Screen Resolution 1920x1080</a:t>
+            </a:r>
+            <a:br>
+              <a:rPr lang="en-US" sz="4800" dirty="0"/>
+            </a:br>
             <a:r>
               <a:rPr lang="en-US" sz="4800" dirty="0"/>
               <a:t>- Verify Chat Session Open &amp; Working</a:t>
